--- a/Docs/Presentation - Final.pptx
+++ b/Docs/Presentation - Final.pptx
@@ -14,9 +14,9 @@
     <p:sldId id="259" r:id="rId5"/>
     <p:sldId id="260" r:id="rId6"/>
     <p:sldId id="261" r:id="rId7"/>
-    <p:sldId id="271" r:id="rId8"/>
-    <p:sldId id="266" r:id="rId9"/>
-    <p:sldId id="262" r:id="rId10"/>
+    <p:sldId id="272" r:id="rId8"/>
+    <p:sldId id="262" r:id="rId9"/>
+    <p:sldId id="271" r:id="rId10"/>
     <p:sldId id="270" r:id="rId11"/>
   </p:sldIdLst>
   <p:sldSz cx="12192000" cy="6858000"/>
@@ -206,7 +206,7 @@
           <a:p>
             <a:fld id="{B6264E3E-79F1-457E-9C0F-DD821A27C1C2}" type="datetimeFigureOut">
               <a:rPr lang="en-US" smtClean="0"/>
-              <a:t>4/10/2019</a:t>
+              <a:t>6/9/2019</a:t>
             </a:fld>
             <a:endParaRPr lang="en-US"/>
           </a:p>
@@ -612,7 +612,7 @@
           <a:p>
             <a:fld id="{D3AB1F39-E980-48C7-AA8F-C3FF10C5F150}" type="datetime1">
               <a:rPr lang="en-US" smtClean="0"/>
-              <a:t>4/10/2019</a:t>
+              <a:t>6/9/2019</a:t>
             </a:fld>
             <a:endParaRPr lang="en-US"/>
           </a:p>
@@ -829,7 +829,7 @@
           <a:p>
             <a:fld id="{61796878-5C5E-4BD5-8EDE-68A5EF2DD9B8}" type="datetime1">
               <a:rPr lang="en-US" smtClean="0"/>
-              <a:t>4/10/2019</a:t>
+              <a:t>6/9/2019</a:t>
             </a:fld>
             <a:endParaRPr lang="en-US"/>
           </a:p>
@@ -1050,7 +1050,7 @@
           <a:p>
             <a:fld id="{077FE279-0392-44AA-B01F-3D056690A0FE}" type="datetime1">
               <a:rPr lang="en-US" smtClean="0"/>
-              <a:t>4/10/2019</a:t>
+              <a:t>6/9/2019</a:t>
             </a:fld>
             <a:endParaRPr lang="en-US"/>
           </a:p>
@@ -1257,7 +1257,7 @@
           <a:p>
             <a:fld id="{5A0E8747-AD8F-4128-A5BA-9B59802D978F}" type="datetime1">
               <a:rPr lang="en-US" smtClean="0"/>
-              <a:t>4/10/2019</a:t>
+              <a:t>6/9/2019</a:t>
             </a:fld>
             <a:endParaRPr lang="en-US"/>
           </a:p>
@@ -1542,7 +1542,7 @@
           <a:p>
             <a:fld id="{338857B6-8144-4E14-AEC4-0AEC7099B812}" type="datetime1">
               <a:rPr lang="en-US" smtClean="0"/>
-              <a:t>4/10/2019</a:t>
+              <a:t>6/9/2019</a:t>
             </a:fld>
             <a:endParaRPr lang="en-US"/>
           </a:p>
@@ -1816,7 +1816,7 @@
           <a:p>
             <a:fld id="{6F108119-1A37-4A25-8A9D-30D4A7F48CA6}" type="datetime1">
               <a:rPr lang="en-US" smtClean="0"/>
-              <a:t>4/10/2019</a:t>
+              <a:t>6/9/2019</a:t>
             </a:fld>
             <a:endParaRPr lang="en-US"/>
           </a:p>
@@ -2238,7 +2238,7 @@
           <a:p>
             <a:fld id="{6E0C4ECB-65AF-4D60-8068-C20A2909E33A}" type="datetime1">
               <a:rPr lang="en-US" smtClean="0"/>
-              <a:t>4/10/2019</a:t>
+              <a:t>6/9/2019</a:t>
             </a:fld>
             <a:endParaRPr lang="en-US"/>
           </a:p>
@@ -2393,7 +2393,7 @@
           <a:p>
             <a:fld id="{C3D411FE-7BEA-4879-A35C-5512C1C160DD}" type="datetime1">
               <a:rPr lang="en-US" smtClean="0"/>
-              <a:t>4/10/2019</a:t>
+              <a:t>6/9/2019</a:t>
             </a:fld>
             <a:endParaRPr lang="en-US"/>
           </a:p>
@@ -2525,7 +2525,7 @@
           <a:p>
             <a:fld id="{918069BB-16A9-4CCE-9F46-CB18C564659A}" type="datetime1">
               <a:rPr lang="en-US" smtClean="0"/>
-              <a:t>4/10/2019</a:t>
+              <a:t>6/9/2019</a:t>
             </a:fld>
             <a:endParaRPr lang="en-US"/>
           </a:p>
@@ -2776,7 +2776,7 @@
           <a:p>
             <a:fld id="{F48225B6-D91B-432F-9818-58F7CBB13E42}" type="datetime1">
               <a:rPr lang="en-US" smtClean="0"/>
-              <a:t>4/10/2019</a:t>
+              <a:t>6/9/2019</a:t>
             </a:fld>
             <a:endParaRPr lang="en-US"/>
           </a:p>
@@ -3231,7 +3231,7 @@
           <a:p>
             <a:fld id="{2C027F7B-75E6-4617-B138-9F5517E336C2}" type="datetime1">
               <a:rPr lang="en-US" smtClean="0"/>
-              <a:t>4/10/2019</a:t>
+              <a:t>6/9/2019</a:t>
             </a:fld>
             <a:endParaRPr lang="en-US"/>
           </a:p>
@@ -3558,7 +3558,7 @@
           <a:p>
             <a:fld id="{4406ACB3-1A8E-45F2-A4B4-A562FF536A44}" type="datetime1">
               <a:rPr lang="en-US" smtClean="0"/>
-              <a:t>4/10/2019</a:t>
+              <a:t>6/9/2019</a:t>
             </a:fld>
             <a:endParaRPr lang="en-US"/>
           </a:p>
@@ -4085,14 +4085,7 @@
                 <a:latin typeface="Bahnschrift SemiBold" panose="020B0502040204020203" pitchFamily="34" charset="0"/>
                 <a:ea typeface="Cambria Math" panose="02040503050406030204" pitchFamily="18" charset="0"/>
               </a:rPr>
-              <a:t>for </a:t>
-            </a:r>
-            <a:r>
-              <a:rPr lang="en-US" sz="5400" b="1" smtClean="0">
-                <a:latin typeface="Bahnschrift SemiBold" panose="020B0502040204020203" pitchFamily="34" charset="0"/>
-                <a:ea typeface="Cambria Math" panose="02040503050406030204" pitchFamily="18" charset="0"/>
-              </a:rPr>
-              <a:t>Solid Waste </a:t>
+              <a:t>for Solid Waste </a:t>
             </a:r>
             <a:r>
               <a:rPr lang="en-US" sz="5400" b="1" dirty="0">
@@ -4173,13 +4166,6 @@
   <p:clrMapOvr>
     <a:masterClrMapping/>
   </p:clrMapOvr>
-  <p:timing>
-    <p:tnLst>
-      <p:par>
-        <p:cTn id="1" dur="indefinite" restart="never" nodeType="tmRoot"/>
-      </p:par>
-    </p:tnLst>
-  </p:timing>
 </p:sld>
 </file>
 
@@ -4281,13 +4267,6 @@
   <p:clrMapOvr>
     <a:masterClrMapping/>
   </p:clrMapOvr>
-  <p:timing>
-    <p:tnLst>
-      <p:par>
-        <p:cTn id="1" dur="indefinite" restart="never" nodeType="tmRoot"/>
-      </p:par>
-    </p:tnLst>
-  </p:timing>
 </p:sld>
 </file>
 
@@ -4384,7 +4363,7 @@
               <a:buChar char="•"/>
             </a:pPr>
             <a:r>
-              <a:rPr lang="en-US" sz="2800" dirty="0" smtClean="0">
+              <a:rPr lang="en-US" sz="2800" dirty="0">
                 <a:latin typeface="Bahnschrift" panose="020B0502040204020203" pitchFamily="34" charset="0"/>
               </a:rPr>
               <a:t> M.M.M. ASLAM					E/15/021</a:t>
@@ -4399,7 +4378,7 @@
               <a:buChar char="•"/>
             </a:pPr>
             <a:r>
-              <a:rPr lang="en-US" sz="2800" dirty="0" smtClean="0">
+              <a:rPr lang="en-US" sz="2800" dirty="0">
                 <a:latin typeface="Bahnschrift" panose="020B0502040204020203" pitchFamily="34" charset="0"/>
               </a:rPr>
               <a:t> M.H. HISNI MOHAMED			E/15/131</a:t>
@@ -4414,7 +4393,7 @@
               <a:buChar char="•"/>
             </a:pPr>
             <a:r>
-              <a:rPr lang="en-US" sz="2800" dirty="0" smtClean="0">
+              <a:rPr lang="en-US" sz="2800" dirty="0">
                 <a:latin typeface="Bahnschrift" panose="020B0502040204020203" pitchFamily="34" charset="0"/>
               </a:rPr>
               <a:t> S. SUHAIL							E/15/348</a:t>
@@ -4428,7 +4407,7 @@
               <a:buFont typeface="Arial" panose="020B0604020202020204" pitchFamily="34" charset="0"/>
               <a:buChar char="•"/>
             </a:pPr>
-            <a:endParaRPr lang="en-US" sz="2800" dirty="0" smtClean="0">
+            <a:endParaRPr lang="en-US" sz="2800" dirty="0">
               <a:latin typeface="Bahnschrift" panose="020B0502040204020203" pitchFamily="34" charset="0"/>
             </a:endParaRPr>
           </a:p>
@@ -4441,14 +4420,11 @@
               <a:buChar char="•"/>
             </a:pPr>
             <a:r>
-              <a:rPr lang="en-US" sz="2800" dirty="0" smtClean="0">
+              <a:rPr lang="en-US" sz="2800" dirty="0">
                 <a:latin typeface="Bahnschrift" panose="020B0502040204020203" pitchFamily="34" charset="0"/>
               </a:rPr>
               <a:t> Product owner &amp; Scrum Master: Miss. NIMALI KULARATNE</a:t>
             </a:r>
-            <a:endParaRPr lang="en-US" sz="2800" dirty="0">
-              <a:latin typeface="Bahnschrift" panose="020B0502040204020203" pitchFamily="34" charset="0"/>
-            </a:endParaRPr>
           </a:p>
         </p:txBody>
       </p:sp>
@@ -4491,13 +4467,6 @@
   <p:clrMapOvr>
     <a:masterClrMapping/>
   </p:clrMapOvr>
-  <p:timing>
-    <p:tnLst>
-      <p:par>
-        <p:cTn id="1" dur="indefinite" restart="never" nodeType="tmRoot"/>
-      </p:par>
-    </p:tnLst>
-  </p:timing>
 </p:sld>
 </file>
 
@@ -4591,13 +4560,8 @@
             </a:pPr>
             <a:r>
               <a:rPr lang="en-US" sz="3200" dirty="0"/>
-              <a:t> A web based application for plastic &amp; non-degradable waste management</a:t>
-            </a:r>
-            <a:r>
-              <a:rPr lang="en-US" sz="3200" dirty="0" smtClean="0"/>
-              <a:t>.</a:t>
-            </a:r>
-            <a:endParaRPr lang="en-US" sz="3200" dirty="0"/>
+              <a:t> A web based application for plastic &amp; non-degradable waste management.</a:t>
+            </a:r>
           </a:p>
           <a:p>
             <a:pPr marL="457200" indent="-457200">
@@ -4609,13 +4573,8 @@
             </a:pPr>
             <a:r>
               <a:rPr lang="en-US" sz="3200" dirty="0"/>
-              <a:t> Helps public to interact with buyers</a:t>
-            </a:r>
-            <a:r>
-              <a:rPr lang="en-US" sz="3200" dirty="0" smtClean="0"/>
-              <a:t>.</a:t>
-            </a:r>
-            <a:endParaRPr lang="en-US" sz="3200" dirty="0"/>
+              <a:t> Helps public to interact with buyers.</a:t>
+            </a:r>
           </a:p>
           <a:p>
             <a:pPr marL="457200" indent="-457200">
@@ -4671,13 +4630,6 @@
   <p:clrMapOvr>
     <a:masterClrMapping/>
   </p:clrMapOvr>
-  <p:timing>
-    <p:tnLst>
-      <p:par>
-        <p:cTn id="1" dur="indefinite" restart="never" nodeType="tmRoot"/>
-      </p:par>
-    </p:tnLst>
-  </p:timing>
 </p:sld>
 </file>
 
@@ -4801,7 +4753,7 @@
             </a:pPr>
             <a:r>
               <a:rPr lang="en-US" sz="3600" dirty="0"/>
-              <a:t> React JS</a:t>
+              <a:t> React JS, React Native</a:t>
             </a:r>
           </a:p>
           <a:p>
@@ -4847,7 +4799,7 @@
         </p:blipFill>
         <p:spPr>
           <a:xfrm>
-            <a:off x="4970697" y="4594673"/>
+            <a:off x="716747" y="4644069"/>
             <a:ext cx="3695700" cy="1133475"/>
           </a:xfrm>
           <a:prstGeom prst="rect">
@@ -4877,7 +4829,7 @@
         </p:blipFill>
         <p:spPr>
           <a:xfrm>
-            <a:off x="6272250" y="2978012"/>
+            <a:off x="4483209" y="4024944"/>
             <a:ext cx="3695700" cy="1238250"/>
           </a:xfrm>
           <a:prstGeom prst="rect">
@@ -4942,7 +4894,7 @@
         </p:blipFill>
         <p:spPr>
           <a:xfrm>
-            <a:off x="7491782" y="1361351"/>
+            <a:off x="8016240" y="827145"/>
             <a:ext cx="3695700" cy="1238250"/>
           </a:xfrm>
           <a:prstGeom prst="rect">
@@ -4958,6 +4910,53 @@
           </a:pattFill>
         </p:spPr>
       </p:pic>
+      <p:pic>
+        <p:nvPicPr>
+          <p:cNvPr id="1028" name="Picture 4" descr="Image result for react native">
+            <a:extLst>
+              <a:ext uri="{FF2B5EF4-FFF2-40B4-BE49-F238E27FC236}">
+                <a16:creationId xmlns:a16="http://schemas.microsoft.com/office/drawing/2014/main" id="{B2DBB8BC-AB9A-4BD4-8D7F-0DF17C323A9E}"/>
+              </a:ext>
+            </a:extLst>
+          </p:cNvPr>
+          <p:cNvPicPr>
+            <a:picLocks noChangeAspect="1" noChangeArrowheads="1"/>
+          </p:cNvPicPr>
+          <p:nvPr/>
+        </p:nvPicPr>
+        <p:blipFill>
+          <a:blip r:embed="rId5">
+            <a:extLst>
+              <a:ext uri="{28A0092B-C50C-407E-A947-70E740481C1C}">
+                <a14:useLocalDpi xmlns:a14="http://schemas.microsoft.com/office/drawing/2010/main" val="0"/>
+              </a:ext>
+            </a:extLst>
+          </a:blip>
+          <a:srcRect/>
+          <a:stretch>
+            <a:fillRect/>
+          </a:stretch>
+        </p:blipFill>
+        <p:spPr bwMode="auto">
+          <a:xfrm>
+            <a:off x="7132320" y="2358887"/>
+            <a:ext cx="3911973" cy="1819246"/>
+          </a:xfrm>
+          <a:prstGeom prst="rect">
+            <a:avLst/>
+          </a:prstGeom>
+          <a:noFill/>
+          <a:extLst>
+            <a:ext uri="{909E8E84-426E-40DD-AFC4-6F175D3DCCD1}">
+              <a14:hiddenFill xmlns:a14="http://schemas.microsoft.com/office/drawing/2010/main">
+                <a:solidFill>
+                  <a:srgbClr val="FFFFFF"/>
+                </a:solidFill>
+              </a14:hiddenFill>
+            </a:ext>
+          </a:extLst>
+        </p:spPr>
+      </p:pic>
     </p:spTree>
     <p:extLst>
       <p:ext uri="{BB962C8B-B14F-4D97-AF65-F5344CB8AC3E}">
@@ -4968,13 +4967,6 @@
   <p:clrMapOvr>
     <a:masterClrMapping/>
   </p:clrMapOvr>
-  <p:timing>
-    <p:tnLst>
-      <p:par>
-        <p:cTn id="1" dur="indefinite" restart="never" nodeType="tmRoot"/>
-      </p:par>
-    </p:tnLst>
-  </p:timing>
 </p:sld>
 </file>
 
@@ -5067,16 +5059,8 @@
               <a:buChar char="•"/>
             </a:pPr>
             <a:r>
-              <a:rPr lang="en-US" sz="3200" dirty="0" smtClean="0"/>
-              <a:t>Requirement </a:t>
-            </a:r>
-            <a:r>
               <a:rPr lang="en-US" sz="3200" dirty="0"/>
-              <a:t>gathering and getting familiar </a:t>
-            </a:r>
-            <a:r>
-              <a:rPr lang="en-US" sz="3200" dirty="0" smtClean="0"/>
-              <a:t>with</a:t>
+              <a:t>Requirement gathering and getting familiar with</a:t>
             </a:r>
           </a:p>
           <a:p>
@@ -5087,13 +5071,8 @@
             </a:pPr>
             <a:r>
               <a:rPr lang="en-US" sz="3200" dirty="0"/>
-              <a:t>	</a:t>
-            </a:r>
-            <a:r>
-              <a:rPr lang="en-US" sz="3200" dirty="0" smtClean="0"/>
-              <a:t>technologies </a:t>
-            </a:r>
-            <a:endParaRPr lang="en-US" sz="3200" dirty="0"/>
+              <a:t>	technologies </a:t>
+            </a:r>
           </a:p>
           <a:p>
             <a:pPr marL="457200" indent="-457200">
@@ -5104,12 +5083,8 @@
               <a:buChar char="•"/>
             </a:pPr>
             <a:r>
-              <a:rPr lang="en-US" sz="3200" dirty="0" smtClean="0"/>
-              <a:t>User </a:t>
-            </a:r>
-            <a:r>
               <a:rPr lang="en-US" sz="3200" dirty="0"/>
-              <a:t>interface designing </a:t>
+              <a:t>User interface designing </a:t>
             </a:r>
           </a:p>
           <a:p>
@@ -5121,12 +5096,8 @@
               <a:buChar char="•"/>
             </a:pPr>
             <a:r>
-              <a:rPr lang="en-US" sz="3200" dirty="0" smtClean="0"/>
-              <a:t>Database </a:t>
-            </a:r>
-            <a:r>
               <a:rPr lang="en-US" sz="3200" dirty="0"/>
-              <a:t>configuration</a:t>
+              <a:t>Database configuration</a:t>
             </a:r>
           </a:p>
           <a:p>
@@ -5138,12 +5109,8 @@
               <a:buChar char="•"/>
             </a:pPr>
             <a:r>
-              <a:rPr lang="en-US" sz="3200" dirty="0" smtClean="0"/>
-              <a:t>Implementing </a:t>
-            </a:r>
-            <a:r>
               <a:rPr lang="en-US" sz="3200" dirty="0"/>
-              <a:t>user registration &amp; authentication </a:t>
+              <a:t>Implementing user registration &amp; authentication </a:t>
             </a:r>
           </a:p>
           <a:p>
@@ -5155,12 +5122,8 @@
               <a:buChar char="•"/>
             </a:pPr>
             <a:r>
-              <a:rPr lang="en-US" sz="3200" dirty="0" smtClean="0"/>
-              <a:t>Cloud </a:t>
-            </a:r>
-            <a:r>
               <a:rPr lang="en-US" sz="3200" dirty="0"/>
-              <a:t>deployment &amp; Configuration </a:t>
+              <a:t>Cloud deployment &amp; Configuration </a:t>
             </a:r>
           </a:p>
           <a:p>
@@ -5172,12 +5135,8 @@
               <a:buChar char="•"/>
             </a:pPr>
             <a:r>
-              <a:rPr lang="en-US" sz="3200" dirty="0" smtClean="0"/>
-              <a:t>Testing </a:t>
-            </a:r>
-            <a:r>
               <a:rPr lang="en-US" sz="3200" dirty="0"/>
-              <a:t>&amp; Evaluation </a:t>
+              <a:t>Testing &amp; Evaluation </a:t>
             </a:r>
           </a:p>
         </p:txBody>
@@ -5221,13 +5180,6 @@
   <p:clrMapOvr>
     <a:masterClrMapping/>
   </p:clrMapOvr>
-  <p:timing>
-    <p:tnLst>
-      <p:par>
-        <p:cTn id="1" dur="indefinite" restart="never" nodeType="tmRoot"/>
-      </p:par>
-    </p:tnLst>
-  </p:timing>
 </p:sld>
 </file>
 
@@ -5263,7 +5215,7 @@
         <p:spPr>
           <a:xfrm>
             <a:off x="1431234" y="940906"/>
-            <a:ext cx="5115339" cy="830997"/>
+            <a:ext cx="9064488" cy="830997"/>
           </a:xfrm>
           <a:prstGeom prst="rect">
             <a:avLst/>
@@ -5279,6 +5231,14 @@
             <a:r>
               <a:rPr lang="en-US" sz="4800" b="1" dirty="0"/>
               <a:t>Things Completed </a:t>
+            </a:r>
+            <a:r>
+              <a:rPr lang="en-US" sz="3200" b="1" dirty="0"/>
+              <a:t>(Before Mid)</a:t>
+            </a:r>
+            <a:r>
+              <a:rPr lang="en-US" sz="4800" b="1" dirty="0"/>
+              <a:t> </a:t>
             </a:r>
             <a:endParaRPr lang="en-US" sz="2000" b="1" dirty="0"/>
           </a:p>
@@ -5298,8 +5258,8 @@
         </p:nvSpPr>
         <p:spPr>
           <a:xfrm>
-            <a:off x="1291079" y="2225040"/>
-            <a:ext cx="9409045" cy="2862322"/>
+            <a:off x="1291079" y="2158780"/>
+            <a:ext cx="9409045" cy="2768450"/>
           </a:xfrm>
           <a:prstGeom prst="rect">
             <a:avLst/>
@@ -5320,18 +5280,9 @@
               <a:buChar char="•"/>
             </a:pPr>
             <a:r>
-              <a:rPr lang="en-US" sz="3000" dirty="0" smtClean="0"/>
-              <a:t>Gathered </a:t>
-            </a:r>
-            <a:r>
               <a:rPr lang="en-US" sz="3000" dirty="0"/>
-              <a:t>the requirement and got </a:t>
-            </a:r>
-            <a:r>
-              <a:rPr lang="en-US" sz="3000" dirty="0" smtClean="0"/>
-              <a:t>familiar with technologies </a:t>
-            </a:r>
-            <a:endParaRPr lang="en-US" sz="3000" dirty="0"/>
+              <a:t>Gathered the requirement and got familiar with technologies </a:t>
+            </a:r>
           </a:p>
           <a:p>
             <a:pPr marL="457200" indent="-457200">
@@ -5342,18 +5293,9 @@
               <a:buChar char="•"/>
             </a:pPr>
             <a:r>
-              <a:rPr lang="en-US" sz="3000" dirty="0" smtClean="0"/>
-              <a:t>Designed </a:t>
-            </a:r>
-            <a:r>
               <a:rPr lang="en-US" sz="3000" dirty="0"/>
-              <a:t>the user </a:t>
-            </a:r>
-            <a:r>
-              <a:rPr lang="en-US" sz="3000" dirty="0" smtClean="0"/>
-              <a:t>interface</a:t>
-            </a:r>
-            <a:endParaRPr lang="en-US" sz="3000" dirty="0"/>
+              <a:t>Designed the user interface</a:t>
+            </a:r>
           </a:p>
           <a:p>
             <a:pPr marL="457200" indent="-457200">
@@ -5364,12 +5306,8 @@
               <a:buChar char="•"/>
             </a:pPr>
             <a:r>
-              <a:rPr lang="en-US" sz="3000" dirty="0" smtClean="0"/>
-              <a:t>Configured </a:t>
-            </a:r>
-            <a:r>
               <a:rPr lang="en-US" sz="3000" dirty="0"/>
-              <a:t>the database</a:t>
+              <a:t>Configured the database</a:t>
             </a:r>
           </a:p>
         </p:txBody>
@@ -5413,13 +5351,6 @@
   <p:clrMapOvr>
     <a:masterClrMapping/>
   </p:clrMapOvr>
-  <p:timing>
-    <p:tnLst>
-      <p:par>
-        <p:cTn id="1" dur="indefinite" restart="never" nodeType="tmRoot"/>
-      </p:par>
-    </p:tnLst>
-  </p:timing>
 </p:sld>
 </file>
 
@@ -5442,7 +5373,13 @@
       </p:grpSpPr>
       <p:sp>
         <p:nvSpPr>
-          <p:cNvPr id="3" name="Slide Number Placeholder 2"/>
+          <p:cNvPr id="4" name="Slide Number Placeholder 3">
+            <a:extLst>
+              <a:ext uri="{FF2B5EF4-FFF2-40B4-BE49-F238E27FC236}">
+                <a16:creationId xmlns:a16="http://schemas.microsoft.com/office/drawing/2014/main" id="{4EFD6CB5-DB48-4B25-8785-F441DACBF2DA}"/>
+              </a:ext>
+            </a:extLst>
+          </p:cNvPr>
           <p:cNvSpPr>
             <a:spLocks noGrp="1"/>
           </p:cNvSpPr>
@@ -5465,70 +5402,135 @@
       </p:sp>
       <p:sp>
         <p:nvSpPr>
-          <p:cNvPr id="4" name="Title 1"/>
-          <p:cNvSpPr txBox="1">
-            <a:spLocks/>
-          </p:cNvSpPr>
+          <p:cNvPr id="7" name="TextBox 6">
+            <a:extLst>
+              <a:ext uri="{FF2B5EF4-FFF2-40B4-BE49-F238E27FC236}">
+                <a16:creationId xmlns:a16="http://schemas.microsoft.com/office/drawing/2014/main" id="{60AFD2AE-98D1-41EA-A2C5-D9DE7DE3189B}"/>
+              </a:ext>
+            </a:extLst>
+          </p:cNvPr>
+          <p:cNvSpPr txBox="1"/>
           <p:nvPr/>
         </p:nvSpPr>
         <p:spPr>
           <a:xfrm>
-            <a:off x="1291079" y="2319810"/>
-            <a:ext cx="9520158" cy="1638236"/>
+            <a:off x="1431234" y="940906"/>
+            <a:ext cx="9064488" cy="830997"/>
           </a:xfrm>
           <a:prstGeom prst="rect">
             <a:avLst/>
           </a:prstGeom>
-        </p:spPr>
-        <p:txBody>
-          <a:bodyPr/>
-          <a:lstStyle>
-            <a:lvl1pPr algn="l" defTabSz="914400" rtl="0" eaLnBrk="1" latinLnBrk="0" hangingPunct="1">
+          <a:noFill/>
+        </p:spPr>
+        <p:txBody>
+          <a:bodyPr wrap="square" rtlCol="0">
+            <a:spAutoFit/>
+          </a:bodyPr>
+          <a:lstStyle/>
+          <a:p>
+            <a:r>
+              <a:rPr lang="en-US" sz="4800" b="1" dirty="0"/>
+              <a:t>Things Completed </a:t>
+            </a:r>
+            <a:r>
+              <a:rPr lang="en-US" sz="3200" b="1" dirty="0"/>
+              <a:t>(After Mid)</a:t>
+            </a:r>
+            <a:r>
+              <a:rPr lang="en-US" sz="4800" b="1" dirty="0"/>
+              <a:t> </a:t>
+            </a:r>
+            <a:endParaRPr lang="en-US" sz="2000" b="1" dirty="0"/>
+          </a:p>
+        </p:txBody>
+      </p:sp>
+      <p:sp>
+        <p:nvSpPr>
+          <p:cNvPr id="8" name="TextBox 7">
+            <a:extLst>
+              <a:ext uri="{FF2B5EF4-FFF2-40B4-BE49-F238E27FC236}">
+                <a16:creationId xmlns:a16="http://schemas.microsoft.com/office/drawing/2014/main" id="{D7E3E87B-3B5C-4AA2-8546-17D23C21DEB7}"/>
+              </a:ext>
+            </a:extLst>
+          </p:cNvPr>
+          <p:cNvSpPr txBox="1"/>
+          <p:nvPr/>
+        </p:nvSpPr>
+        <p:spPr>
+          <a:xfrm>
+            <a:off x="1291079" y="2105772"/>
+            <a:ext cx="9409045" cy="2031325"/>
+          </a:xfrm>
+          <a:prstGeom prst="rect">
+            <a:avLst/>
+          </a:prstGeom>
+          <a:noFill/>
+        </p:spPr>
+        <p:txBody>
+          <a:bodyPr wrap="square" rtlCol="0">
+            <a:spAutoFit/>
+          </a:bodyPr>
+          <a:lstStyle/>
+          <a:p>
+            <a:pPr marL="457200" indent="-457200">
               <a:lnSpc>
-                <a:spcPct val="90000"/>
+                <a:spcPct val="150000"/>
               </a:lnSpc>
-              <a:spcBef>
-                <a:spcPct val="0"/>
-              </a:spcBef>
-              <a:buNone/>
-              <a:defRPr sz="3200" b="0" i="0" kern="1200" cap="none">
-                <a:solidFill>
-                  <a:schemeClr val="tx1"/>
-                </a:solidFill>
-                <a:effectLst/>
-                <a:latin typeface="+mj-lt"/>
-                <a:ea typeface="+mj-ea"/>
-                <a:cs typeface="+mj-cs"/>
-              </a:defRPr>
-            </a:lvl1pPr>
-          </a:lstStyle>
-          <a:p>
-            <a:pPr algn="ctr"/>
-            <a:r>
-              <a:rPr lang="en-US" sz="8800" b="1" dirty="0" smtClean="0"/>
-              <a:t>Demo</a:t>
-            </a:r>
-            <a:endParaRPr lang="en-US" sz="8800" b="1" dirty="0"/>
+              <a:buFont typeface="Arial" panose="020B0604020202020204" pitchFamily="34" charset="0"/>
+              <a:buChar char="•"/>
+            </a:pPr>
+            <a:r>
+              <a:rPr lang="en-US" sz="2800" dirty="0"/>
+              <a:t>Implemented the user registration &amp; authentication</a:t>
+            </a:r>
+          </a:p>
+          <a:p>
+            <a:pPr marL="457200" indent="-457200">
+              <a:lnSpc>
+                <a:spcPct val="150000"/>
+              </a:lnSpc>
+              <a:buFont typeface="Arial" panose="020B0604020202020204" pitchFamily="34" charset="0"/>
+              <a:buChar char="•"/>
+            </a:pPr>
+            <a:r>
+              <a:rPr lang="en-US" sz="2800" dirty="0"/>
+              <a:t>Cloud deployment and configuration</a:t>
+            </a:r>
+          </a:p>
+          <a:p>
+            <a:pPr marL="457200" indent="-457200">
+              <a:lnSpc>
+                <a:spcPct val="150000"/>
+              </a:lnSpc>
+              <a:buFont typeface="Arial" panose="020B0604020202020204" pitchFamily="34" charset="0"/>
+              <a:buChar char="•"/>
+            </a:pPr>
+            <a:r>
+              <a:rPr lang="en-US" sz="2800" dirty="0" smtClean="0"/>
+              <a:t>Styling </a:t>
+            </a:r>
+            <a:r>
+              <a:rPr lang="en-US" sz="2800" dirty="0"/>
+              <a:t>and UX </a:t>
+            </a:r>
+            <a:r>
+              <a:rPr lang="en-US" sz="2800" dirty="0" smtClean="0"/>
+              <a:t>improvement</a:t>
+            </a:r>
+            <a:endParaRPr lang="en-US" sz="3000" dirty="0"/>
           </a:p>
         </p:txBody>
       </p:sp>
     </p:spTree>
     <p:extLst>
       <p:ext uri="{BB962C8B-B14F-4D97-AF65-F5344CB8AC3E}">
-        <p14:creationId xmlns:p14="http://schemas.microsoft.com/office/powerpoint/2010/main" val="2992032986"/>
+        <p14:creationId xmlns:p14="http://schemas.microsoft.com/office/powerpoint/2010/main" val="2038856239"/>
       </p:ext>
     </p:extLst>
   </p:cSld>
   <p:clrMapOvr>
     <a:masterClrMapping/>
   </p:clrMapOvr>
-  <p:timing>
-    <p:tnLst>
-      <p:par>
-        <p:cTn id="1" dur="indefinite" restart="never" nodeType="tmRoot"/>
-      </p:par>
-    </p:tnLst>
-  </p:timing>
 </p:sld>
 </file>
 
@@ -5554,206 +5556,6 @@
           <p:cNvPr id="4" name="TextBox 3">
             <a:extLst>
               <a:ext uri="{FF2B5EF4-FFF2-40B4-BE49-F238E27FC236}">
-                <a16:creationId xmlns:a16="http://schemas.microsoft.com/office/drawing/2014/main" id="{5820B0D1-4802-47DD-9B5F-C846F0C9DC62}"/>
-              </a:ext>
-            </a:extLst>
-          </p:cNvPr>
-          <p:cNvSpPr txBox="1"/>
-          <p:nvPr/>
-        </p:nvSpPr>
-        <p:spPr>
-          <a:xfrm>
-            <a:off x="1431234" y="940906"/>
-            <a:ext cx="6432606" cy="830997"/>
-          </a:xfrm>
-          <a:prstGeom prst="rect">
-            <a:avLst/>
-          </a:prstGeom>
-          <a:noFill/>
-        </p:spPr>
-        <p:txBody>
-          <a:bodyPr wrap="square" rtlCol="0">
-            <a:spAutoFit/>
-          </a:bodyPr>
-          <a:lstStyle/>
-          <a:p>
-            <a:r>
-              <a:rPr lang="en-US" sz="4800" b="1" dirty="0"/>
-              <a:t>Things </a:t>
-            </a:r>
-            <a:r>
-              <a:rPr lang="en-US" sz="4800" b="1" dirty="0" smtClean="0"/>
-              <a:t>to Complete </a:t>
-            </a:r>
-            <a:endParaRPr lang="en-US" sz="2000" b="1" dirty="0"/>
-          </a:p>
-        </p:txBody>
-      </p:sp>
-      <p:sp>
-        <p:nvSpPr>
-          <p:cNvPr id="5" name="TextBox 4">
-            <a:extLst>
-              <a:ext uri="{FF2B5EF4-FFF2-40B4-BE49-F238E27FC236}">
-                <a16:creationId xmlns:a16="http://schemas.microsoft.com/office/drawing/2014/main" id="{E6FB2EB2-44F4-44BB-9F90-0714D1A49061}"/>
-              </a:ext>
-            </a:extLst>
-          </p:cNvPr>
-          <p:cNvSpPr txBox="1"/>
-          <p:nvPr/>
-        </p:nvSpPr>
-        <p:spPr>
-          <a:xfrm>
-            <a:off x="1291079" y="2198914"/>
-            <a:ext cx="9409045" cy="3046988"/>
-          </a:xfrm>
-          <a:prstGeom prst="rect">
-            <a:avLst/>
-          </a:prstGeom>
-          <a:noFill/>
-        </p:spPr>
-        <p:txBody>
-          <a:bodyPr wrap="square" rtlCol="0">
-            <a:spAutoFit/>
-          </a:bodyPr>
-          <a:lstStyle/>
-          <a:p>
-            <a:pPr marL="457200" indent="-457200">
-              <a:lnSpc>
-                <a:spcPct val="150000"/>
-              </a:lnSpc>
-              <a:buFont typeface="Arial" panose="020B0604020202020204" pitchFamily="34" charset="0"/>
-              <a:buChar char="•"/>
-            </a:pPr>
-            <a:r>
-              <a:rPr lang="en-US" sz="3200" dirty="0" smtClean="0"/>
-              <a:t>Configuring user authentication</a:t>
-            </a:r>
-          </a:p>
-          <a:p>
-            <a:pPr marL="457200" indent="-457200">
-              <a:lnSpc>
-                <a:spcPct val="150000"/>
-              </a:lnSpc>
-              <a:buFont typeface="Arial" panose="020B0604020202020204" pitchFamily="34" charset="0"/>
-              <a:buChar char="•"/>
-            </a:pPr>
-            <a:r>
-              <a:rPr lang="en-US" sz="3200" dirty="0" smtClean="0"/>
-              <a:t>Styling and UX improvement </a:t>
-            </a:r>
-            <a:endParaRPr lang="en-US" sz="3200" dirty="0"/>
-          </a:p>
-          <a:p>
-            <a:pPr marL="457200" indent="-457200">
-              <a:lnSpc>
-                <a:spcPct val="150000"/>
-              </a:lnSpc>
-              <a:buFont typeface="Arial" panose="020B0604020202020204" pitchFamily="34" charset="0"/>
-              <a:buChar char="•"/>
-            </a:pPr>
-            <a:r>
-              <a:rPr lang="en-US" sz="3200" dirty="0" smtClean="0"/>
-              <a:t>Cloud </a:t>
-            </a:r>
-            <a:r>
-              <a:rPr lang="en-US" sz="3200" dirty="0"/>
-              <a:t>deployment &amp; </a:t>
-            </a:r>
-            <a:r>
-              <a:rPr lang="en-US" sz="3200" dirty="0" smtClean="0"/>
-              <a:t>Configuration</a:t>
-            </a:r>
-          </a:p>
-          <a:p>
-            <a:pPr marL="457200" indent="-457200">
-              <a:lnSpc>
-                <a:spcPct val="150000"/>
-              </a:lnSpc>
-              <a:buFont typeface="Arial" panose="020B0604020202020204" pitchFamily="34" charset="0"/>
-              <a:buChar char="•"/>
-            </a:pPr>
-            <a:r>
-              <a:rPr lang="en-US" sz="3200" dirty="0" smtClean="0"/>
-              <a:t>Testing </a:t>
-            </a:r>
-            <a:r>
-              <a:rPr lang="en-US" sz="3200" dirty="0"/>
-              <a:t>&amp; Evaluation </a:t>
-            </a:r>
-          </a:p>
-        </p:txBody>
-      </p:sp>
-      <p:sp>
-        <p:nvSpPr>
-          <p:cNvPr id="2" name="Slide Number Placeholder 1">
-            <a:extLst>
-              <a:ext uri="{FF2B5EF4-FFF2-40B4-BE49-F238E27FC236}">
-                <a16:creationId xmlns:a16="http://schemas.microsoft.com/office/drawing/2014/main" id="{5672C669-5357-43D6-A270-FA8BB6AE332F}"/>
-              </a:ext>
-            </a:extLst>
-          </p:cNvPr>
-          <p:cNvSpPr>
-            <a:spLocks noGrp="1"/>
-          </p:cNvSpPr>
-          <p:nvPr>
-            <p:ph type="sldNum" sz="quarter" idx="12"/>
-          </p:nvPr>
-        </p:nvSpPr>
-        <p:spPr/>
-        <p:txBody>
-          <a:bodyPr/>
-          <a:lstStyle/>
-          <a:p>
-            <a:fld id="{C856FAD5-89AB-47AB-8E18-7B0A43CE8438}" type="slidenum">
-              <a:rPr lang="en-US" smtClean="0"/>
-              <a:t>8</a:t>
-            </a:fld>
-            <a:endParaRPr lang="en-US" dirty="0"/>
-          </a:p>
-        </p:txBody>
-      </p:sp>
-    </p:spTree>
-    <p:extLst>
-      <p:ext uri="{BB962C8B-B14F-4D97-AF65-F5344CB8AC3E}">
-        <p14:creationId xmlns:p14="http://schemas.microsoft.com/office/powerpoint/2010/main" val="511187013"/>
-      </p:ext>
-    </p:extLst>
-  </p:cSld>
-  <p:clrMapOvr>
-    <a:masterClrMapping/>
-  </p:clrMapOvr>
-  <p:timing>
-    <p:tnLst>
-      <p:par>
-        <p:cTn id="1" dur="indefinite" restart="never" nodeType="tmRoot"/>
-      </p:par>
-    </p:tnLst>
-  </p:timing>
-</p:sld>
-</file>
-
-<file path=ppt/slides/slide9.xml><?xml version="1.0" encoding="utf-8"?>
-<p:sld xmlns:a="http://schemas.openxmlformats.org/drawingml/2006/main" xmlns:r="http://schemas.openxmlformats.org/officeDocument/2006/relationships" xmlns:p="http://schemas.openxmlformats.org/presentationml/2006/main">
-  <p:cSld>
-    <p:spTree>
-      <p:nvGrpSpPr>
-        <p:cNvPr id="1" name=""/>
-        <p:cNvGrpSpPr/>
-        <p:nvPr/>
-      </p:nvGrpSpPr>
-      <p:grpSpPr>
-        <a:xfrm>
-          <a:off x="0" y="0"/>
-          <a:ext cx="0" cy="0"/>
-          <a:chOff x="0" y="0"/>
-          <a:chExt cx="0" cy="0"/>
-        </a:xfrm>
-      </p:grpSpPr>
-      <p:sp>
-        <p:nvSpPr>
-          <p:cNvPr id="4" name="TextBox 3">
-            <a:extLst>
-              <a:ext uri="{FF2B5EF4-FFF2-40B4-BE49-F238E27FC236}">
                 <a16:creationId xmlns:a16="http://schemas.microsoft.com/office/drawing/2014/main" id="{9087CC11-628F-4CC4-A2FB-7944487E1BBE}"/>
               </a:ext>
             </a:extLst>
@@ -5826,7 +5628,7 @@
             </a:r>
             <a:r>
               <a:rPr lang="en-US" sz="3200" dirty="0" smtClean="0"/>
-              <a:t>Android, IOS)</a:t>
+              <a:t>Android)</a:t>
             </a:r>
             <a:endParaRPr lang="en-US" sz="3200" dirty="0"/>
           </a:p>
@@ -5839,20 +5641,8 @@
               <a:buChar char="•"/>
             </a:pPr>
             <a:r>
-              <a:rPr lang="en-US" sz="3200" dirty="0" smtClean="0"/>
-              <a:t>Monitoring </a:t>
-            </a:r>
-            <a:r>
               <a:rPr lang="en-US" sz="3200" dirty="0"/>
-              <a:t>System/Portal for </a:t>
-            </a:r>
-            <a:r>
-              <a:rPr lang="en-US" sz="3200" dirty="0" smtClean="0"/>
-              <a:t>state </a:t>
-            </a:r>
-            <a:r>
-              <a:rPr lang="en-US" sz="3200" dirty="0"/>
-              <a:t>health inspectors</a:t>
+              <a:t>Monitoring System/Portal for state health inspectors</a:t>
             </a:r>
           </a:p>
         </p:txBody>
@@ -5921,7 +5711,7 @@
           <a:p>
             <a:fld id="{C856FAD5-89AB-47AB-8E18-7B0A43CE8438}" type="slidenum">
               <a:rPr lang="en-US" smtClean="0"/>
-              <a:t>9</a:t>
+              <a:t>8</a:t>
             </a:fld>
             <a:endParaRPr lang="en-US"/>
           </a:p>
@@ -5937,13 +5727,107 @@
   <p:clrMapOvr>
     <a:masterClrMapping/>
   </p:clrMapOvr>
-  <p:timing>
-    <p:tnLst>
-      <p:par>
-        <p:cTn id="1" dur="indefinite" restart="never" nodeType="tmRoot"/>
-      </p:par>
-    </p:tnLst>
-  </p:timing>
+</p:sld>
+</file>
+
+<file path=ppt/slides/slide9.xml><?xml version="1.0" encoding="utf-8"?>
+<p:sld xmlns:a="http://schemas.openxmlformats.org/drawingml/2006/main" xmlns:r="http://schemas.openxmlformats.org/officeDocument/2006/relationships" xmlns:p="http://schemas.openxmlformats.org/presentationml/2006/main">
+  <p:cSld>
+    <p:spTree>
+      <p:nvGrpSpPr>
+        <p:cNvPr id="1" name=""/>
+        <p:cNvGrpSpPr/>
+        <p:nvPr/>
+      </p:nvGrpSpPr>
+      <p:grpSpPr>
+        <a:xfrm>
+          <a:off x="0" y="0"/>
+          <a:ext cx="0" cy="0"/>
+          <a:chOff x="0" y="0"/>
+          <a:chExt cx="0" cy="0"/>
+        </a:xfrm>
+      </p:grpSpPr>
+      <p:sp>
+        <p:nvSpPr>
+          <p:cNvPr id="3" name="Slide Number Placeholder 2"/>
+          <p:cNvSpPr>
+            <a:spLocks noGrp="1"/>
+          </p:cNvSpPr>
+          <p:nvPr>
+            <p:ph type="sldNum" sz="quarter" idx="12"/>
+          </p:nvPr>
+        </p:nvSpPr>
+        <p:spPr/>
+        <p:txBody>
+          <a:bodyPr/>
+          <a:lstStyle/>
+          <a:p>
+            <a:fld id="{C856FAD5-89AB-47AB-8E18-7B0A43CE8438}" type="slidenum">
+              <a:rPr lang="en-US" smtClean="0"/>
+              <a:t>9</a:t>
+            </a:fld>
+            <a:endParaRPr lang="en-US"/>
+          </a:p>
+        </p:txBody>
+      </p:sp>
+      <p:sp>
+        <p:nvSpPr>
+          <p:cNvPr id="4" name="Title 1"/>
+          <p:cNvSpPr txBox="1">
+            <a:spLocks/>
+          </p:cNvSpPr>
+          <p:nvPr/>
+        </p:nvSpPr>
+        <p:spPr>
+          <a:xfrm>
+            <a:off x="1291079" y="2319810"/>
+            <a:ext cx="9520158" cy="1638236"/>
+          </a:xfrm>
+          <a:prstGeom prst="rect">
+            <a:avLst/>
+          </a:prstGeom>
+        </p:spPr>
+        <p:txBody>
+          <a:bodyPr/>
+          <a:lstStyle>
+            <a:lvl1pPr algn="l" defTabSz="914400" rtl="0" eaLnBrk="1" latinLnBrk="0" hangingPunct="1">
+              <a:lnSpc>
+                <a:spcPct val="90000"/>
+              </a:lnSpc>
+              <a:spcBef>
+                <a:spcPct val="0"/>
+              </a:spcBef>
+              <a:buNone/>
+              <a:defRPr sz="3200" b="0" i="0" kern="1200" cap="none">
+                <a:solidFill>
+                  <a:schemeClr val="tx1"/>
+                </a:solidFill>
+                <a:effectLst/>
+                <a:latin typeface="+mj-lt"/>
+                <a:ea typeface="+mj-ea"/>
+                <a:cs typeface="+mj-cs"/>
+              </a:defRPr>
+            </a:lvl1pPr>
+          </a:lstStyle>
+          <a:p>
+            <a:pPr algn="ctr"/>
+            <a:r>
+              <a:rPr lang="en-US" sz="8800" b="1" dirty="0"/>
+              <a:t>Demo</a:t>
+            </a:r>
+          </a:p>
+        </p:txBody>
+      </p:sp>
+    </p:spTree>
+    <p:extLst>
+      <p:ext uri="{BB962C8B-B14F-4D97-AF65-F5344CB8AC3E}">
+        <p14:creationId xmlns:p14="http://schemas.microsoft.com/office/powerpoint/2010/main" val="2992032986"/>
+      </p:ext>
+    </p:extLst>
+  </p:cSld>
+  <p:clrMapOvr>
+    <a:masterClrMapping/>
+  </p:clrMapOvr>
 </p:sld>
 </file>
 
